--- a/작업일지/Direct X의 버텍스 버퍼.pptx
+++ b/작업일지/Direct X의 버텍스 버퍼.pptx
@@ -7,6 +7,7 @@
   <p:sldIdLst>
     <p:sldId id="256" r:id="rId2"/>
     <p:sldId id="257" r:id="rId3"/>
+    <p:sldId id="258" r:id="rId4"/>
   </p:sldIdLst>
   <p:sldSz cx="12192000" cy="6858000"/>
   <p:notesSz cx="6858000" cy="9144000"/>
@@ -4592,6 +4593,416 @@
 </p:sld>
 </file>
 
+<file path=ppt/slides/slide3.xml><?xml version="1.0" encoding="utf-8"?>
+<p:sld xmlns:a="http://schemas.openxmlformats.org/drawingml/2006/main" xmlns:r="http://schemas.openxmlformats.org/officeDocument/2006/relationships" xmlns:p="http://schemas.openxmlformats.org/presentationml/2006/main">
+  <p:cSld>
+    <p:spTree>
+      <p:nvGrpSpPr>
+        <p:cNvPr id="1" name=""/>
+        <p:cNvGrpSpPr/>
+        <p:nvPr/>
+      </p:nvGrpSpPr>
+      <p:grpSpPr>
+        <a:xfrm>
+          <a:off x="0" y="0"/>
+          <a:ext cx="0" cy="0"/>
+          <a:chOff x="0" y="0"/>
+          <a:chExt cx="0" cy="0"/>
+        </a:xfrm>
+      </p:grpSpPr>
+      <p:sp>
+        <p:nvSpPr>
+          <p:cNvPr id="6" name="TextBox 5">
+            <a:extLst>
+              <a:ext uri="{FF2B5EF4-FFF2-40B4-BE49-F238E27FC236}">
+                <a16:creationId xmlns:a16="http://schemas.microsoft.com/office/drawing/2014/main" id="{C9DDA7E4-E0D9-2CB3-33FD-EDCC361A9C9E}"/>
+              </a:ext>
+            </a:extLst>
+          </p:cNvPr>
+          <p:cNvSpPr txBox="1"/>
+          <p:nvPr/>
+        </p:nvSpPr>
+        <p:spPr>
+          <a:xfrm>
+            <a:off x="656049" y="397163"/>
+            <a:ext cx="10879901" cy="2585323"/>
+          </a:xfrm>
+          <a:prstGeom prst="rect">
+            <a:avLst/>
+          </a:prstGeom>
+          <a:noFill/>
+          <a:ln>
+            <a:solidFill>
+              <a:schemeClr val="accent1"/>
+            </a:solidFill>
+          </a:ln>
+        </p:spPr>
+        <p:txBody>
+          <a:bodyPr wrap="none" rtlCol="0">
+            <a:spAutoFit/>
+          </a:bodyPr>
+          <a:lstStyle/>
+          <a:p>
+            <a:r>
+              <a:rPr lang="en-US" altLang="ko-KR" dirty="0"/>
+              <a:t>.bin</a:t>
+            </a:r>
+            <a:r>
+              <a:rPr lang="ko-KR" altLang="en-US" dirty="0"/>
+              <a:t>파일에는 여러 개의 토큰이 있다</a:t>
+            </a:r>
+            <a:r>
+              <a:rPr lang="en-US" altLang="ko-KR" dirty="0"/>
+              <a:t>. </a:t>
+            </a:r>
+            <a:r>
+              <a:rPr lang="ko-KR" altLang="en-US" dirty="0"/>
+              <a:t>여기서 토큰은 </a:t>
+            </a:r>
+            <a:r>
+              <a:rPr lang="ko-KR" altLang="en-US" dirty="0" err="1"/>
+              <a:t>매터리얼을</a:t>
+            </a:r>
+            <a:r>
+              <a:rPr lang="ko-KR" altLang="en-US" dirty="0"/>
+              <a:t> 공유하는 </a:t>
+            </a:r>
+            <a:r>
+              <a:rPr lang="ko-KR" altLang="en-US" dirty="0" err="1"/>
+              <a:t>버텍스의</a:t>
+            </a:r>
+            <a:r>
+              <a:rPr lang="ko-KR" altLang="en-US" dirty="0"/>
+              <a:t> 집합이고</a:t>
+            </a:r>
+            <a:r>
+              <a:rPr lang="en-US" altLang="ko-KR" dirty="0"/>
+              <a:t>, </a:t>
+            </a:r>
+            <a:r>
+              <a:rPr lang="ko-KR" altLang="en-US" dirty="0"/>
+              <a:t>한 토큰은</a:t>
+            </a:r>
+            <a:endParaRPr lang="en-US" altLang="ko-KR" dirty="0"/>
+          </a:p>
+          <a:p>
+            <a:r>
+              <a:rPr lang="ko-KR" altLang="en-US" dirty="0"/>
+              <a:t>하나의 </a:t>
+            </a:r>
+            <a:r>
+              <a:rPr lang="en-US" altLang="ko-KR" dirty="0" err="1"/>
+              <a:t>DrawPrimitive</a:t>
+            </a:r>
+            <a:r>
+              <a:rPr lang="ko-KR" altLang="en-US" dirty="0"/>
+              <a:t>호출로 렌더링이 된다</a:t>
+            </a:r>
+            <a:r>
+              <a:rPr lang="en-US" altLang="ko-KR" dirty="0"/>
+              <a:t>.</a:t>
+            </a:r>
+          </a:p>
+          <a:p>
+            <a:endParaRPr lang="en-US" altLang="ko-KR" dirty="0"/>
+          </a:p>
+          <a:p>
+            <a:r>
+              <a:rPr lang="ko-KR" altLang="en-US" dirty="0"/>
+              <a:t>여기서 토큰에는 </a:t>
+            </a:r>
+            <a:r>
+              <a:rPr lang="ko-KR" altLang="en-US" dirty="0" err="1"/>
+              <a:t>버텍스</a:t>
+            </a:r>
+            <a:r>
+              <a:rPr lang="en-US" altLang="ko-KR" dirty="0"/>
+              <a:t>, </a:t>
+            </a:r>
+            <a:r>
+              <a:rPr lang="ko-KR" altLang="en-US" dirty="0" err="1"/>
+              <a:t>노말</a:t>
+            </a:r>
+            <a:r>
+              <a:rPr lang="en-US" altLang="ko-KR" dirty="0"/>
+              <a:t>, </a:t>
+            </a:r>
+            <a:r>
+              <a:rPr lang="ko-KR" altLang="en-US" dirty="0"/>
+              <a:t>인덱스 데이터가 들어있다</a:t>
+            </a:r>
+            <a:r>
+              <a:rPr lang="en-US" altLang="ko-KR" dirty="0"/>
+              <a:t>.</a:t>
+            </a:r>
+          </a:p>
+          <a:p>
+            <a:endParaRPr lang="en-US" altLang="ko-KR" dirty="0"/>
+          </a:p>
+          <a:p>
+            <a:r>
+              <a:rPr lang="ko-KR" altLang="en-US" dirty="0"/>
+              <a:t>이 때 두개의 토큰을 하나의 </a:t>
+            </a:r>
+            <a:r>
+              <a:rPr lang="ko-KR" altLang="en-US" dirty="0" err="1"/>
+              <a:t>버텍스</a:t>
+            </a:r>
+            <a:r>
+              <a:rPr lang="ko-KR" altLang="en-US" dirty="0"/>
+              <a:t> 버퍼에 담을 수는 없다</a:t>
+            </a:r>
+            <a:r>
+              <a:rPr lang="en-US" altLang="ko-KR" dirty="0"/>
+              <a:t>.</a:t>
+            </a:r>
+          </a:p>
+          <a:p>
+            <a:r>
+              <a:rPr lang="en-US" altLang="ko-KR" dirty="0"/>
+              <a:t>   - </a:t>
+            </a:r>
+            <a:r>
+              <a:rPr lang="ko-KR" altLang="en-US" dirty="0"/>
+              <a:t>서로 다른 </a:t>
+            </a:r>
+            <a:r>
+              <a:rPr lang="ko-KR" altLang="en-US" dirty="0" err="1"/>
+              <a:t>매터리얼을</a:t>
+            </a:r>
+            <a:r>
+              <a:rPr lang="ko-KR" altLang="en-US" dirty="0"/>
+              <a:t> 갖기 때문</a:t>
+            </a:r>
+            <a:endParaRPr lang="en-US" altLang="ko-KR" dirty="0"/>
+          </a:p>
+          <a:p>
+            <a:r>
+              <a:rPr lang="en-US" altLang="ko-KR" dirty="0"/>
+              <a:t>   - </a:t>
+            </a:r>
+            <a:r>
+              <a:rPr lang="ko-KR" altLang="en-US" dirty="0"/>
+              <a:t>인덱스 데이터가 가리키는 인덱스는 토큰마다 따로 있는 </a:t>
+            </a:r>
+            <a:r>
+              <a:rPr lang="ko-KR" altLang="en-US" dirty="0" err="1"/>
+              <a:t>버텍스들의</a:t>
+            </a:r>
+            <a:r>
+              <a:rPr lang="ko-KR" altLang="en-US" dirty="0"/>
+              <a:t> 인덱스 이기 때문</a:t>
+            </a:r>
+            <a:endParaRPr lang="en-US" altLang="ko-KR" dirty="0"/>
+          </a:p>
+          <a:p>
+            <a:r>
+              <a:rPr lang="en-US" altLang="ko-KR" dirty="0"/>
+              <a:t>     =&gt; </a:t>
+            </a:r>
+            <a:r>
+              <a:rPr lang="ko-KR" altLang="en-US" dirty="0"/>
+              <a:t>서로 다른 토큰의 인덱스들은 같은 값을 갖더라도 다른 </a:t>
+            </a:r>
+            <a:r>
+              <a:rPr lang="ko-KR" altLang="en-US" dirty="0" err="1"/>
+              <a:t>버텍스를</a:t>
+            </a:r>
+            <a:r>
+              <a:rPr lang="ko-KR" altLang="en-US" dirty="0"/>
+              <a:t> 가리킨다</a:t>
+            </a:r>
+            <a:r>
+              <a:rPr lang="en-US" altLang="ko-KR" dirty="0"/>
+              <a:t>.</a:t>
+            </a:r>
+          </a:p>
+        </p:txBody>
+      </p:sp>
+      <p:sp>
+        <p:nvSpPr>
+          <p:cNvPr id="13" name="TextBox 12">
+            <a:extLst>
+              <a:ext uri="{FF2B5EF4-FFF2-40B4-BE49-F238E27FC236}">
+                <a16:creationId xmlns:a16="http://schemas.microsoft.com/office/drawing/2014/main" id="{C177A8B1-1185-8C06-298D-5D4EF46AAE20}"/>
+              </a:ext>
+            </a:extLst>
+          </p:cNvPr>
+          <p:cNvSpPr txBox="1"/>
+          <p:nvPr/>
+        </p:nvSpPr>
+        <p:spPr>
+          <a:xfrm>
+            <a:off x="656049" y="3283527"/>
+            <a:ext cx="11471858" cy="2031325"/>
+          </a:xfrm>
+          <a:prstGeom prst="rect">
+            <a:avLst/>
+          </a:prstGeom>
+          <a:noFill/>
+          <a:ln>
+            <a:solidFill>
+              <a:schemeClr val="accent1"/>
+            </a:solidFill>
+          </a:ln>
+        </p:spPr>
+        <p:txBody>
+          <a:bodyPr wrap="none" rtlCol="0">
+            <a:spAutoFit/>
+          </a:bodyPr>
+          <a:lstStyle/>
+          <a:p>
+            <a:r>
+              <a:rPr lang="en-US" altLang="ko-KR" dirty="0" err="1"/>
+              <a:t>RayTracing</a:t>
+            </a:r>
+            <a:r>
+              <a:rPr lang="ko-KR" altLang="en-US" dirty="0"/>
+              <a:t>에서의 </a:t>
+            </a:r>
+            <a:r>
+              <a:rPr lang="en-US" altLang="ko-KR" dirty="0"/>
+              <a:t>vertex buffer</a:t>
+            </a:r>
+            <a:r>
+              <a:rPr lang="ko-KR" altLang="en-US" dirty="0"/>
+              <a:t>도 똑같다</a:t>
+            </a:r>
+            <a:r>
+              <a:rPr lang="en-US" altLang="ko-KR" dirty="0"/>
+              <a:t>.</a:t>
+            </a:r>
+          </a:p>
+          <a:p>
+            <a:endParaRPr lang="en-US" altLang="ko-KR" dirty="0"/>
+          </a:p>
+          <a:p>
+            <a:r>
+              <a:rPr lang="ko-KR" altLang="en-US" dirty="0"/>
+              <a:t>토큰별로 따로 </a:t>
+            </a:r>
+            <a:r>
+              <a:rPr lang="en-US" altLang="ko-KR" dirty="0"/>
+              <a:t>vertex</a:t>
+            </a:r>
+            <a:r>
+              <a:rPr lang="ko-KR" altLang="en-US" dirty="0"/>
+              <a:t> </a:t>
+            </a:r>
+            <a:r>
+              <a:rPr lang="en-US" altLang="ko-KR" dirty="0"/>
+              <a:t>buffer</a:t>
+            </a:r>
+            <a:r>
+              <a:rPr lang="ko-KR" altLang="en-US" dirty="0"/>
+              <a:t>를 만들고</a:t>
+            </a:r>
+            <a:r>
+              <a:rPr lang="en-US" altLang="ko-KR" dirty="0"/>
+              <a:t>, </a:t>
+            </a:r>
+            <a:r>
+              <a:rPr lang="ko-KR" altLang="en-US" dirty="0"/>
+              <a:t>이렇게 만들어진 여러 개의 </a:t>
+            </a:r>
+            <a:r>
+              <a:rPr lang="en-US" altLang="ko-KR" dirty="0"/>
+              <a:t>vertex buffer</a:t>
+            </a:r>
+            <a:r>
+              <a:rPr lang="ko-KR" altLang="en-US" dirty="0"/>
+              <a:t>를 하나하나 따로 </a:t>
+            </a:r>
+            <a:r>
+              <a:rPr lang="en-US" altLang="ko-KR" dirty="0" err="1"/>
+              <a:t>RayTracing</a:t>
+            </a:r>
+            <a:r>
+              <a:rPr lang="en-US" altLang="ko-KR" dirty="0"/>
+              <a:t> </a:t>
+            </a:r>
+          </a:p>
+          <a:p>
+            <a:r>
+              <a:rPr lang="ko-KR" altLang="en-US" dirty="0"/>
+              <a:t>버퍼에 넣어주어야 한다</a:t>
+            </a:r>
+            <a:r>
+              <a:rPr lang="en-US" altLang="ko-KR" dirty="0"/>
+              <a:t>.</a:t>
+            </a:r>
+          </a:p>
+          <a:p>
+            <a:endParaRPr lang="en-US" altLang="ko-KR" dirty="0"/>
+          </a:p>
+          <a:p>
+            <a:r>
+              <a:rPr lang="ko-KR" altLang="en-US" dirty="0"/>
+              <a:t>기존 코드의 </a:t>
+            </a:r>
+            <a:r>
+              <a:rPr lang="en-US" altLang="ko-KR" dirty="0"/>
+              <a:t>GAMEOBJECT</a:t>
+            </a:r>
+            <a:r>
+              <a:rPr lang="ko-KR" altLang="en-US" dirty="0"/>
+              <a:t>를 그대로 사용해서 넣어주면 </a:t>
+            </a:r>
+            <a:r>
+              <a:rPr lang="ko-KR" altLang="en-US" dirty="0" err="1"/>
+              <a:t>될듯</a:t>
+            </a:r>
+            <a:r>
+              <a:rPr lang="en-US" altLang="ko-KR" dirty="0"/>
+              <a:t>. (Vertex</a:t>
+            </a:r>
+            <a:r>
+              <a:rPr lang="ko-KR" altLang="en-US" dirty="0"/>
+              <a:t>하고 </a:t>
+            </a:r>
+            <a:r>
+              <a:rPr lang="en-US" altLang="ko-KR" dirty="0"/>
+              <a:t>Normal</a:t>
+            </a:r>
+            <a:r>
+              <a:rPr lang="ko-KR" altLang="en-US" dirty="0"/>
+              <a:t>만 놔두고 </a:t>
+            </a:r>
+            <a:endParaRPr lang="en-US" altLang="ko-KR" dirty="0"/>
+          </a:p>
+          <a:p>
+            <a:r>
+              <a:rPr lang="en-US" altLang="ko-KR"/>
+              <a:t>     </a:t>
+            </a:r>
+            <a:r>
+              <a:rPr lang="ko-KR" altLang="en-US"/>
+              <a:t>나머지는 </a:t>
+            </a:r>
+            <a:r>
+              <a:rPr lang="ko-KR" altLang="en-US" dirty="0"/>
+              <a:t>다 지워서 넣어 주어야 함</a:t>
+            </a:r>
+            <a:r>
+              <a:rPr lang="en-US" altLang="ko-KR" dirty="0"/>
+              <a:t>)</a:t>
+            </a:r>
+          </a:p>
+        </p:txBody>
+      </p:sp>
+    </p:spTree>
+    <p:extLst>
+      <p:ext uri="{BB962C8B-B14F-4D97-AF65-F5344CB8AC3E}">
+        <p14:creationId xmlns:p14="http://schemas.microsoft.com/office/powerpoint/2010/main" val="879112812"/>
+      </p:ext>
+    </p:extLst>
+  </p:cSld>
+  <p:clrMapOvr>
+    <a:masterClrMapping/>
+  </p:clrMapOvr>
+</p:sld>
+</file>
+
 <file path=ppt/theme/theme1.xml><?xml version="1.0" encoding="utf-8"?>
 <a:theme xmlns:a="http://schemas.openxmlformats.org/drawingml/2006/main" name="Office 테마">
   <a:themeElements>
